--- a/Opis projektu/Prezentacja.pptx
+++ b/Opis projektu/Prezentacja.pptx
@@ -597,7 +597,7 @@
           <a:p>
             <a:fld id="{68CAD79A-505E-4E36-A800-E5D5BEF7D2BA}" type="datetimeFigureOut">
               <a:rPr lang="pl-PL" smtClean="0"/>
-              <a:t>2017-01-23</a:t>
+              <a:t>2017-01-24</a:t>
             </a:fld>
             <a:endParaRPr lang="pl-PL"/>
           </a:p>
@@ -762,7 +762,7 @@
           <a:p>
             <a:fld id="{68CAD79A-505E-4E36-A800-E5D5BEF7D2BA}" type="datetimeFigureOut">
               <a:rPr lang="pl-PL" smtClean="0"/>
-              <a:t>2017-01-23</a:t>
+              <a:t>2017-01-24</a:t>
             </a:fld>
             <a:endParaRPr lang="pl-PL"/>
           </a:p>
@@ -937,7 +937,7 @@
           <a:p>
             <a:fld id="{68CAD79A-505E-4E36-A800-E5D5BEF7D2BA}" type="datetimeFigureOut">
               <a:rPr lang="pl-PL" smtClean="0"/>
-              <a:t>2017-01-23</a:t>
+              <a:t>2017-01-24</a:t>
             </a:fld>
             <a:endParaRPr lang="pl-PL"/>
           </a:p>
@@ -1102,7 +1102,7 @@
           <a:p>
             <a:fld id="{68CAD79A-505E-4E36-A800-E5D5BEF7D2BA}" type="datetimeFigureOut">
               <a:rPr lang="pl-PL" smtClean="0"/>
-              <a:t>2017-01-23</a:t>
+              <a:t>2017-01-24</a:t>
             </a:fld>
             <a:endParaRPr lang="pl-PL"/>
           </a:p>
@@ -1655,7 +1655,7 @@
           <a:p>
             <a:fld id="{68CAD79A-505E-4E36-A800-E5D5BEF7D2BA}" type="datetimeFigureOut">
               <a:rPr lang="pl-PL" smtClean="0"/>
-              <a:t>2017-01-23</a:t>
+              <a:t>2017-01-24</a:t>
             </a:fld>
             <a:endParaRPr lang="pl-PL"/>
           </a:p>
@@ -1915,7 +1915,7 @@
           <a:p>
             <a:fld id="{68CAD79A-505E-4E36-A800-E5D5BEF7D2BA}" type="datetimeFigureOut">
               <a:rPr lang="pl-PL" smtClean="0"/>
-              <a:t>2017-01-23</a:t>
+              <a:t>2017-01-24</a:t>
             </a:fld>
             <a:endParaRPr lang="pl-PL"/>
           </a:p>
@@ -2403,7 +2403,7 @@
           <a:p>
             <a:fld id="{68CAD79A-505E-4E36-A800-E5D5BEF7D2BA}" type="datetimeFigureOut">
               <a:rPr lang="pl-PL" smtClean="0"/>
-              <a:t>2017-01-23</a:t>
+              <a:t>2017-01-24</a:t>
             </a:fld>
             <a:endParaRPr lang="pl-PL"/>
           </a:p>
@@ -2516,7 +2516,7 @@
           <a:p>
             <a:fld id="{68CAD79A-505E-4E36-A800-E5D5BEF7D2BA}" type="datetimeFigureOut">
               <a:rPr lang="pl-PL" smtClean="0"/>
-              <a:t>2017-01-23</a:t>
+              <a:t>2017-01-24</a:t>
             </a:fld>
             <a:endParaRPr lang="pl-PL"/>
           </a:p>
@@ -2606,7 +2606,7 @@
           <a:p>
             <a:fld id="{68CAD79A-505E-4E36-A800-E5D5BEF7D2BA}" type="datetimeFigureOut">
               <a:rPr lang="pl-PL" smtClean="0"/>
-              <a:t>2017-01-23</a:t>
+              <a:t>2017-01-24</a:t>
             </a:fld>
             <a:endParaRPr lang="pl-PL"/>
           </a:p>
@@ -3036,7 +3036,7 @@
           <a:p>
             <a:fld id="{68CAD79A-505E-4E36-A800-E5D5BEF7D2BA}" type="datetimeFigureOut">
               <a:rPr lang="pl-PL" smtClean="0"/>
-              <a:t>2017-01-23</a:t>
+              <a:t>2017-01-24</a:t>
             </a:fld>
             <a:endParaRPr lang="pl-PL"/>
           </a:p>
@@ -3569,7 +3569,7 @@
           <a:p>
             <a:fld id="{68CAD79A-505E-4E36-A800-E5D5BEF7D2BA}" type="datetimeFigureOut">
               <a:rPr lang="pl-PL" smtClean="0"/>
-              <a:t>2017-01-23</a:t>
+              <a:t>2017-01-24</a:t>
             </a:fld>
             <a:endParaRPr lang="pl-PL"/>
           </a:p>
@@ -4409,7 +4409,7 @@
           <a:p>
             <a:fld id="{68CAD79A-505E-4E36-A800-E5D5BEF7D2BA}" type="datetimeFigureOut">
               <a:rPr lang="pl-PL" smtClean="0"/>
-              <a:t>2017-01-23</a:t>
+              <a:t>2017-01-24</a:t>
             </a:fld>
             <a:endParaRPr lang="pl-PL"/>
           </a:p>
@@ -5588,8 +5588,8 @@
           </a:p>
         </p:txBody>
       </p:sp>
-      <mc:AlternateContent xmlns:mc="http://schemas.openxmlformats.org/markup-compatibility/2006">
-        <mc:Choice xmlns:a14="http://schemas.microsoft.com/office/drawing/2010/main" Requires="a14">
+      <mc:AlternateContent xmlns:mc="http://schemas.openxmlformats.org/markup-compatibility/2006" xmlns:a14="http://schemas.microsoft.com/office/drawing/2010/main">
+        <mc:Choice Requires="a14">
           <p:sp>
             <p:nvSpPr>
               <p:cNvPr id="3" name="Symbol zastępczy zawartości 2"/>
@@ -5687,22 +5687,30 @@
                     </m:oMathParaPr>
                     <m:oMath xmlns:m="http://schemas.openxmlformats.org/officeDocument/2006/math">
                       <m:r>
-                        <a:rPr lang="pl-PL" sz="2400" i="1"/>
+                        <a:rPr lang="pl-PL" sz="2400" i="1">
+                          <a:latin typeface="Cambria Math" panose="02040503050406030204" pitchFamily="18" charset="0"/>
+                        </a:rPr>
                         <m:t>𝑁</m:t>
                       </m:r>
                       <m:r>
-                        <a:rPr lang="pl-PL" sz="2400" i="1"/>
+                        <a:rPr lang="pl-PL" sz="2400" i="1">
+                          <a:latin typeface="Cambria Math" panose="02040503050406030204" pitchFamily="18" charset="0"/>
+                        </a:rPr>
                         <m:t>&gt;</m:t>
                       </m:r>
                       <m:sSup>
                         <m:sSupPr>
                           <m:ctrlPr>
-                            <a:rPr lang="pl-PL" sz="2400" i="1"/>
+                            <a:rPr lang="pl-PL" sz="2400" i="1">
+                              <a:latin typeface="Cambria Math" panose="02040503050406030204" pitchFamily="18" charset="0"/>
+                            </a:rPr>
                           </m:ctrlPr>
                         </m:sSupPr>
                         <m:e>
                           <m:r>
-                            <a:rPr lang="pl-PL" sz="2400" i="1"/>
+                            <a:rPr lang="pl-PL" sz="2400" i="1">
+                              <a:latin typeface="Cambria Math" panose="02040503050406030204" pitchFamily="18" charset="0"/>
+                            </a:rPr>
                             <m:t>2</m:t>
                           </m:r>
                         </m:e>
@@ -5710,12 +5718,16 @@
                           <m:sSup>
                             <m:sSupPr>
                               <m:ctrlPr>
-                                <a:rPr lang="pl-PL" sz="2400" i="1"/>
+                                <a:rPr lang="pl-PL" sz="2400" i="1">
+                                  <a:latin typeface="Cambria Math" panose="02040503050406030204" pitchFamily="18" charset="0"/>
+                                </a:rPr>
                               </m:ctrlPr>
                             </m:sSupPr>
                             <m:e>
                               <m:r>
-                                <a:rPr lang="pl-PL" sz="2400" i="1"/>
+                                <a:rPr lang="pl-PL" sz="2400" i="1">
+                                  <a:latin typeface="Cambria Math" panose="02040503050406030204" pitchFamily="18" charset="0"/>
+                                </a:rPr>
                                 <m:t>2</m:t>
                               </m:r>
                             </m:e>
@@ -5723,12 +5735,16 @@
                               <m:sSup>
                                 <m:sSupPr>
                                   <m:ctrlPr>
-                                    <a:rPr lang="pl-PL" sz="2400" i="1"/>
+                                    <a:rPr lang="pl-PL" sz="2400" i="1">
+                                      <a:latin typeface="Cambria Math" panose="02040503050406030204" pitchFamily="18" charset="0"/>
+                                    </a:rPr>
                                   </m:ctrlPr>
                                 </m:sSupPr>
                                 <m:e>
                                   <m:r>
-                                    <a:rPr lang="pl-PL" sz="2400" i="1"/>
+                                    <a:rPr lang="pl-PL" sz="2400" i="1">
+                                      <a:latin typeface="Cambria Math" panose="02040503050406030204" pitchFamily="18" charset="0"/>
+                                    </a:rPr>
                                     <m:t>𝑑</m:t>
                                   </m:r>
                                 </m:e>
@@ -5736,12 +5752,16 @@
                                   <m:sSup>
                                     <m:sSupPr>
                                       <m:ctrlPr>
-                                        <a:rPr lang="pl-PL" sz="2400" i="1"/>
+                                        <a:rPr lang="pl-PL" sz="2400" i="1">
+                                          <a:latin typeface="Cambria Math" panose="02040503050406030204" pitchFamily="18" charset="0"/>
+                                        </a:rPr>
                                       </m:ctrlPr>
                                     </m:sSupPr>
                                     <m:e>
                                       <m:r>
-                                        <a:rPr lang="pl-PL" sz="2400" i="1"/>
+                                        <a:rPr lang="pl-PL" sz="2400" i="1">
+                                          <a:latin typeface="Cambria Math" panose="02040503050406030204" pitchFamily="18" charset="0"/>
+                                        </a:rPr>
                                         <m:t>−2</m:t>
                                       </m:r>
                                     </m:e>
@@ -5749,22 +5769,30 @@
                                       <m:sSup>
                                         <m:sSupPr>
                                           <m:ctrlPr>
-                                            <a:rPr lang="pl-PL" sz="2400" i="1"/>
+                                            <a:rPr lang="pl-PL" sz="2400" i="1">
+                                              <a:latin typeface="Cambria Math" panose="02040503050406030204" pitchFamily="18" charset="0"/>
+                                            </a:rPr>
                                           </m:ctrlPr>
                                         </m:sSupPr>
                                         <m:e>
                                           <m:r>
-                                            <a:rPr lang="pl-PL" sz="2400" i="1"/>
+                                            <a:rPr lang="pl-PL" sz="2400" i="1">
+                                              <a:latin typeface="Cambria Math" panose="02040503050406030204" pitchFamily="18" charset="0"/>
+                                            </a:rPr>
                                             <m:t>2</m:t>
                                           </m:r>
                                         </m:e>
                                         <m:sup>
                                           <m:r>
-                                            <a:rPr lang="pl-PL" sz="2400" i="1"/>
+                                            <a:rPr lang="pl-PL" sz="2400" i="1">
+                                              <a:latin typeface="Cambria Math" panose="02040503050406030204" pitchFamily="18" charset="0"/>
+                                            </a:rPr>
                                             <m:t>𝑘</m:t>
                                           </m:r>
                                           <m:r>
-                                            <a:rPr lang="pl-PL" sz="2400" i="1"/>
+                                            <a:rPr lang="pl-PL" sz="2400" i="1">
+                                              <a:latin typeface="Cambria Math" panose="02040503050406030204" pitchFamily="18" charset="0"/>
+                                            </a:rPr>
                                             <m:t>+9</m:t>
                                           </m:r>
                                         </m:sup>
@@ -5787,7 +5815,7 @@
             </p:txBody>
           </p:sp>
         </mc:Choice>
-        <mc:Fallback>
+        <mc:Fallback xmlns="">
           <p:sp>
             <p:nvSpPr>
               <p:cNvPr id="3" name="Symbol zastępczy zawartości 2"/>
@@ -7396,7 +7424,7 @@
           <p:nvPr>
             <p:extLst>
               <p:ext uri="{D42A27DB-BD31-4B8C-83A1-F6EECF244321}">
-                <p14:modId xmlns:p14="http://schemas.microsoft.com/office/powerpoint/2010/main" val="3488187926"/>
+                <p14:modId xmlns:p14="http://schemas.microsoft.com/office/powerpoint/2010/main" val="1466090798"/>
               </p:ext>
             </p:extLst>
           </p:nvPr>
@@ -7436,14 +7464,14 @@
                           <a:effectLst/>
                           <a:latin typeface="Caviar Dreams" panose="020B0402020204020504" pitchFamily="34" charset="0"/>
                         </a:rPr>
-                        <a:t>n=? </a:t>
+                        <a:t>n=70 </a:t>
                       </a:r>
                       <a:r>
                         <a:rPr lang="pl-PL" sz="1400" u="none" strike="noStrike" baseline="0" dirty="0" smtClean="0">
                           <a:effectLst/>
                           <a:latin typeface="Caviar Dreams" panose="020B0402020204020504" pitchFamily="34" charset="0"/>
                         </a:rPr>
-                        <a:t> k=?</a:t>
+                        <a:t> k=8</a:t>
                       </a:r>
                       <a:endParaRPr lang="pl-PL" sz="1400" b="0" i="0" u="none" strike="noStrike" dirty="0">
                         <a:solidFill>
@@ -7565,7 +7593,7 @@
                           <a:effectLst/>
                           <a:latin typeface="Caviar Dreams" panose="020B0402020204020504" pitchFamily="34" charset="0"/>
                         </a:rPr>
-                        <a:t>0</a:t>
+                        <a:t>7</a:t>
                       </a:r>
                       <a:endParaRPr lang="pl-PL" sz="1400" b="0" i="0" u="none" strike="noStrike" dirty="0">
                         <a:solidFill>
@@ -7589,7 +7617,7 @@
                           <a:effectLst/>
                           <a:latin typeface="Caviar Dreams" panose="020B0402020204020504" pitchFamily="34" charset="0"/>
                         </a:rPr>
-                        <a:t>0</a:t>
+                        <a:t>4</a:t>
                       </a:r>
                       <a:endParaRPr lang="pl-PL" sz="1400" b="0" i="0" u="none" strike="noStrike" dirty="0">
                         <a:solidFill>
@@ -7757,13 +7785,13 @@
                     <a:p>
                       <a:pPr algn="ctr" fontAlgn="b"/>
                       <a:r>
-                        <a:rPr lang="pl-PL" sz="1400" u="none" strike="noStrike">
+                        <a:rPr lang="pl-PL" sz="1400" u="none" strike="noStrike" dirty="0" smtClean="0">
                           <a:effectLst/>
                           <a:latin typeface="Caviar Dreams" panose="020B0402020204020504" pitchFamily="34" charset="0"/>
                         </a:rPr>
-                        <a:t>0</a:t>
+                        <a:t>2</a:t>
                       </a:r>
-                      <a:endParaRPr lang="pl-PL" sz="1400" b="0" i="0" u="none" strike="noStrike">
+                      <a:endParaRPr lang="pl-PL" sz="1400" b="0" i="0" u="none" strike="noStrike" dirty="0">
                         <a:solidFill>
                           <a:srgbClr val="000000"/>
                         </a:solidFill>
@@ -7781,11 +7809,14 @@
                     <a:p>
                       <a:pPr algn="ctr" fontAlgn="b"/>
                       <a:r>
-                        <a:rPr lang="pl-PL" sz="1400" u="none" strike="noStrike" dirty="0" smtClean="0">
+                        <a:rPr lang="pl-PL" sz="1400" b="0" i="0" u="none" strike="noStrike" dirty="0" smtClean="0">
+                          <a:solidFill>
+                            <a:schemeClr val="dk1"/>
+                          </a:solidFill>
                           <a:effectLst/>
                           <a:latin typeface="Caviar Dreams" panose="020B0402020204020504" pitchFamily="34" charset="0"/>
                         </a:rPr>
-                        <a:t>0</a:t>
+                        <a:t>5</a:t>
                       </a:r>
                       <a:endParaRPr lang="pl-PL" sz="1400" b="0" i="0" u="none" strike="noStrike" dirty="0">
                         <a:solidFill>
@@ -7809,12 +7840,9 @@
                           <a:effectLst/>
                           <a:latin typeface="Caviar Dreams" panose="020B0402020204020504" pitchFamily="34" charset="0"/>
                         </a:rPr>
-                        <a:t>0</a:t>
+                        <a:t>4</a:t>
                       </a:r>
-                      <a:endParaRPr lang="pl-PL" sz="1400" b="0" i="0" u="none" strike="noStrike" dirty="0">
-                        <a:solidFill>
-                          <a:srgbClr val="000000"/>
-                        </a:solidFill>
+                      <a:endParaRPr lang="pl-PL" sz="1400" u="none" strike="noStrike" dirty="0" smtClean="0">
                         <a:effectLst/>
                         <a:latin typeface="Caviar Dreams" panose="020B0402020204020504" pitchFamily="34" charset="0"/>
                       </a:endParaRPr>
@@ -7855,35 +7883,11 @@
                     <a:p>
                       <a:pPr algn="ctr" fontAlgn="b"/>
                       <a:r>
-                        <a:rPr lang="pl-PL" sz="1400" u="none" strike="noStrike">
+                        <a:rPr lang="pl-PL" sz="1400" u="none" strike="noStrike" dirty="0" smtClean="0">
                           <a:effectLst/>
                           <a:latin typeface="Caviar Dreams" panose="020B0402020204020504" pitchFamily="34" charset="0"/>
                         </a:rPr>
-                        <a:t>0</a:t>
-                      </a:r>
-                      <a:endParaRPr lang="pl-PL" sz="1400" b="0" i="0" u="none" strike="noStrike">
-                        <a:solidFill>
-                          <a:srgbClr val="000000"/>
-                        </a:solidFill>
-                        <a:effectLst/>
-                        <a:latin typeface="Caviar Dreams" panose="020B0402020204020504" pitchFamily="34" charset="0"/>
-                      </a:endParaRPr>
-                    </a:p>
-                  </a:txBody>
-                  <a:tcPr marL="9525" marR="9525" marT="9525" marB="0" anchor="b"/>
-                </a:tc>
-                <a:tc>
-                  <a:txBody>
-                    <a:bodyPr/>
-                    <a:lstStyle/>
-                    <a:p>
-                      <a:pPr algn="ctr" fontAlgn="b"/>
-                      <a:r>
-                        <a:rPr lang="pl-PL" sz="1400" u="none" strike="noStrike" dirty="0">
-                          <a:effectLst/>
-                          <a:latin typeface="Caviar Dreams" panose="020B0402020204020504" pitchFamily="34" charset="0"/>
-                        </a:rPr>
-                        <a:t>0</a:t>
+                        <a:t>1</a:t>
                       </a:r>
                       <a:endParaRPr lang="pl-PL" sz="1400" b="0" i="0" u="none" strike="noStrike" dirty="0">
                         <a:solidFill>
@@ -7903,11 +7907,14 @@
                     <a:p>
                       <a:pPr algn="ctr" fontAlgn="b"/>
                       <a:r>
-                        <a:rPr lang="pl-PL" sz="1400" u="none" strike="noStrike" dirty="0">
+                        <a:rPr lang="pl-PL" sz="1400" b="0" i="0" u="none" strike="noStrike" dirty="0">
+                          <a:solidFill>
+                            <a:schemeClr val="dk1"/>
+                          </a:solidFill>
                           <a:effectLst/>
                           <a:latin typeface="Caviar Dreams" panose="020B0402020204020504" pitchFamily="34" charset="0"/>
                         </a:rPr>
-                        <a:t>0</a:t>
+                        <a:t>1</a:t>
                       </a:r>
                       <a:endParaRPr lang="pl-PL" sz="1400" b="0" i="0" u="none" strike="noStrike" dirty="0">
                         <a:solidFill>
@@ -7916,6 +7923,23 @@
                         <a:effectLst/>
                         <a:latin typeface="Caviar Dreams" panose="020B0402020204020504" pitchFamily="34" charset="0"/>
                       </a:endParaRPr>
+                    </a:p>
+                  </a:txBody>
+                  <a:tcPr marL="9525" marR="9525" marT="9525" marB="0" anchor="b"/>
+                </a:tc>
+                <a:tc>
+                  <a:txBody>
+                    <a:bodyPr/>
+                    <a:lstStyle/>
+                    <a:p>
+                      <a:pPr algn="ctr" fontAlgn="b"/>
+                      <a:r>
+                        <a:rPr lang="pl-PL" sz="1400" u="none" strike="noStrike" dirty="0" smtClean="0">
+                          <a:effectLst/>
+                          <a:latin typeface="Caviar Dreams" panose="020B0402020204020504" pitchFamily="34" charset="0"/>
+                        </a:rPr>
+                        <a:t>6</a:t>
+                      </a:r>
                     </a:p>
                   </a:txBody>
                   <a:tcPr marL="9525" marR="9525" marT="9525" marB="0" anchor="b"/>

--- a/Opis projektu/Prezentacja.pptx
+++ b/Opis projektu/Prezentacja.pptx
@@ -11,7 +11,8 @@
     <p:sldId id="259" r:id="rId5"/>
     <p:sldId id="260" r:id="rId6"/>
     <p:sldId id="261" r:id="rId7"/>
-    <p:sldId id="262" r:id="rId8"/>
+    <p:sldId id="263" r:id="rId8"/>
+    <p:sldId id="262" r:id="rId9"/>
   </p:sldIdLst>
   <p:sldSz cx="9144000" cy="6858000" type="screen4x3"/>
   <p:notesSz cx="6858000" cy="9144000"/>
@@ -597,7 +598,7 @@
           <a:p>
             <a:fld id="{68CAD79A-505E-4E36-A800-E5D5BEF7D2BA}" type="datetimeFigureOut">
               <a:rPr lang="pl-PL" smtClean="0"/>
-              <a:t>2017-01-24</a:t>
+              <a:t>2017-01-26</a:t>
             </a:fld>
             <a:endParaRPr lang="pl-PL"/>
           </a:p>
@@ -762,7 +763,7 @@
           <a:p>
             <a:fld id="{68CAD79A-505E-4E36-A800-E5D5BEF7D2BA}" type="datetimeFigureOut">
               <a:rPr lang="pl-PL" smtClean="0"/>
-              <a:t>2017-01-24</a:t>
+              <a:t>2017-01-26</a:t>
             </a:fld>
             <a:endParaRPr lang="pl-PL"/>
           </a:p>
@@ -937,7 +938,7 @@
           <a:p>
             <a:fld id="{68CAD79A-505E-4E36-A800-E5D5BEF7D2BA}" type="datetimeFigureOut">
               <a:rPr lang="pl-PL" smtClean="0"/>
-              <a:t>2017-01-24</a:t>
+              <a:t>2017-01-26</a:t>
             </a:fld>
             <a:endParaRPr lang="pl-PL"/>
           </a:p>
@@ -1102,7 +1103,7 @@
           <a:p>
             <a:fld id="{68CAD79A-505E-4E36-A800-E5D5BEF7D2BA}" type="datetimeFigureOut">
               <a:rPr lang="pl-PL" smtClean="0"/>
-              <a:t>2017-01-24</a:t>
+              <a:t>2017-01-26</a:t>
             </a:fld>
             <a:endParaRPr lang="pl-PL"/>
           </a:p>
@@ -1655,7 +1656,7 @@
           <a:p>
             <a:fld id="{68CAD79A-505E-4E36-A800-E5D5BEF7D2BA}" type="datetimeFigureOut">
               <a:rPr lang="pl-PL" smtClean="0"/>
-              <a:t>2017-01-24</a:t>
+              <a:t>2017-01-26</a:t>
             </a:fld>
             <a:endParaRPr lang="pl-PL"/>
           </a:p>
@@ -1915,7 +1916,7 @@
           <a:p>
             <a:fld id="{68CAD79A-505E-4E36-A800-E5D5BEF7D2BA}" type="datetimeFigureOut">
               <a:rPr lang="pl-PL" smtClean="0"/>
-              <a:t>2017-01-24</a:t>
+              <a:t>2017-01-26</a:t>
             </a:fld>
             <a:endParaRPr lang="pl-PL"/>
           </a:p>
@@ -2403,7 +2404,7 @@
           <a:p>
             <a:fld id="{68CAD79A-505E-4E36-A800-E5D5BEF7D2BA}" type="datetimeFigureOut">
               <a:rPr lang="pl-PL" smtClean="0"/>
-              <a:t>2017-01-24</a:t>
+              <a:t>2017-01-26</a:t>
             </a:fld>
             <a:endParaRPr lang="pl-PL"/>
           </a:p>
@@ -2516,7 +2517,7 @@
           <a:p>
             <a:fld id="{68CAD79A-505E-4E36-A800-E5D5BEF7D2BA}" type="datetimeFigureOut">
               <a:rPr lang="pl-PL" smtClean="0"/>
-              <a:t>2017-01-24</a:t>
+              <a:t>2017-01-26</a:t>
             </a:fld>
             <a:endParaRPr lang="pl-PL"/>
           </a:p>
@@ -2606,7 +2607,7 @@
           <a:p>
             <a:fld id="{68CAD79A-505E-4E36-A800-E5D5BEF7D2BA}" type="datetimeFigureOut">
               <a:rPr lang="pl-PL" smtClean="0"/>
-              <a:t>2017-01-24</a:t>
+              <a:t>2017-01-26</a:t>
             </a:fld>
             <a:endParaRPr lang="pl-PL"/>
           </a:p>
@@ -3036,7 +3037,7 @@
           <a:p>
             <a:fld id="{68CAD79A-505E-4E36-A800-E5D5BEF7D2BA}" type="datetimeFigureOut">
               <a:rPr lang="pl-PL" smtClean="0"/>
-              <a:t>2017-01-24</a:t>
+              <a:t>2017-01-26</a:t>
             </a:fld>
             <a:endParaRPr lang="pl-PL"/>
           </a:p>
@@ -3569,7 +3570,7 @@
           <a:p>
             <a:fld id="{68CAD79A-505E-4E36-A800-E5D5BEF7D2BA}" type="datetimeFigureOut">
               <a:rPr lang="pl-PL" smtClean="0"/>
-              <a:t>2017-01-24</a:t>
+              <a:t>2017-01-26</a:t>
             </a:fld>
             <a:endParaRPr lang="pl-PL"/>
           </a:p>
@@ -4409,7 +4410,7 @@
           <a:p>
             <a:fld id="{68CAD79A-505E-4E36-A800-E5D5BEF7D2BA}" type="datetimeFigureOut">
               <a:rPr lang="pl-PL" smtClean="0"/>
-              <a:t>2017-01-24</a:t>
+              <a:t>2017-01-26</a:t>
             </a:fld>
             <a:endParaRPr lang="pl-PL"/>
           </a:p>
@@ -6348,14 +6349,14 @@
           <p:nvPr>
             <p:extLst>
               <p:ext uri="{D42A27DB-BD31-4B8C-83A1-F6EECF244321}">
-                <p14:modId xmlns:p14="http://schemas.microsoft.com/office/powerpoint/2010/main" val="4229217235"/>
+                <p14:modId xmlns:p14="http://schemas.microsoft.com/office/powerpoint/2010/main" val="931547582"/>
               </p:ext>
             </p:extLst>
           </p:nvPr>
         </p:nvGraphicFramePr>
         <p:xfrm>
-          <a:off x="611560" y="1196752"/>
-          <a:ext cx="3750592" cy="1663280"/>
+          <a:off x="341656" y="1083458"/>
+          <a:ext cx="4170288" cy="2108900"/>
         </p:xfrm>
         <a:graphic>
           <a:graphicData uri="http://schemas.openxmlformats.org/drawingml/2006/table">
@@ -6364,12 +6365,12 @@
                 <a:tableStyleId>{5C22544A-7EE6-4342-B048-85BDC9FD1C3A}</a:tableStyleId>
               </a:tblPr>
               <a:tblGrid>
-                <a:gridCol w="937648"/>
-                <a:gridCol w="937648"/>
-                <a:gridCol w="937648"/>
-                <a:gridCol w="937648"/>
+                <a:gridCol w="1042572"/>
+                <a:gridCol w="1042572"/>
+                <a:gridCol w="1042572"/>
+                <a:gridCol w="1042572"/>
               </a:tblGrid>
-              <a:tr h="332656">
+              <a:tr h="421780">
                 <a:tc>
                   <a:txBody>
                     <a:bodyPr/>
@@ -6481,7 +6482,7 @@
                   <a:tcPr marL="9525" marR="9525" marT="9525" marB="0" anchor="b"/>
                 </a:tc>
               </a:tr>
-              <a:tr h="332656">
+              <a:tr h="421780">
                 <a:tc>
                   <a:txBody>
                     <a:bodyPr/>
@@ -6579,7 +6580,7 @@
                   <a:tcPr marL="9525" marR="9525" marT="9525" marB="0" anchor="b"/>
                 </a:tc>
               </a:tr>
-              <a:tr h="332656">
+              <a:tr h="421780">
                 <a:tc>
                   <a:txBody>
                     <a:bodyPr/>
@@ -6677,7 +6678,7 @@
                   <a:tcPr marL="9525" marR="9525" marT="9525" marB="0" anchor="b"/>
                 </a:tc>
               </a:tr>
-              <a:tr h="332656">
+              <a:tr h="421780">
                 <a:tc>
                   <a:txBody>
                     <a:bodyPr/>
@@ -6775,7 +6776,7 @@
                   <a:tcPr marL="9525" marR="9525" marT="9525" marB="0" anchor="b"/>
                 </a:tc>
               </a:tr>
-              <a:tr h="332656">
+              <a:tr h="421780">
                 <a:tc>
                   <a:txBody>
                     <a:bodyPr/>
@@ -6886,14 +6887,14 @@
           <p:nvPr>
             <p:extLst>
               <p:ext uri="{D42A27DB-BD31-4B8C-83A1-F6EECF244321}">
-                <p14:modId xmlns:p14="http://schemas.microsoft.com/office/powerpoint/2010/main" val="3561900026"/>
+                <p14:modId xmlns:p14="http://schemas.microsoft.com/office/powerpoint/2010/main" val="4058831322"/>
               </p:ext>
             </p:extLst>
           </p:nvPr>
         </p:nvGraphicFramePr>
         <p:xfrm>
-          <a:off x="4871888" y="1188318"/>
-          <a:ext cx="3750592" cy="1663280"/>
+          <a:off x="4655438" y="1083458"/>
+          <a:ext cx="4170288" cy="2108900"/>
         </p:xfrm>
         <a:graphic>
           <a:graphicData uri="http://schemas.openxmlformats.org/drawingml/2006/table">
@@ -6902,12 +6903,12 @@
                 <a:tableStyleId>{5C22544A-7EE6-4342-B048-85BDC9FD1C3A}</a:tableStyleId>
               </a:tblPr>
               <a:tblGrid>
-                <a:gridCol w="937648"/>
-                <a:gridCol w="937648"/>
-                <a:gridCol w="937648"/>
-                <a:gridCol w="937648"/>
+                <a:gridCol w="1042572"/>
+                <a:gridCol w="1042572"/>
+                <a:gridCol w="1042572"/>
+                <a:gridCol w="1042572"/>
               </a:tblGrid>
-              <a:tr h="332656">
+              <a:tr h="421780">
                 <a:tc>
                   <a:txBody>
                     <a:bodyPr/>
@@ -7019,7 +7020,7 @@
                   <a:tcPr marL="9525" marR="9525" marT="9525" marB="0" anchor="b"/>
                 </a:tc>
               </a:tr>
-              <a:tr h="332656">
+              <a:tr h="421780">
                 <a:tc>
                   <a:txBody>
                     <a:bodyPr/>
@@ -7117,7 +7118,7 @@
                   <a:tcPr marL="9525" marR="9525" marT="9525" marB="0" anchor="b"/>
                 </a:tc>
               </a:tr>
-              <a:tr h="332656">
+              <a:tr h="421780">
                 <a:tc>
                   <a:txBody>
                     <a:bodyPr/>
@@ -7215,7 +7216,7 @@
                   <a:tcPr marL="9525" marR="9525" marT="9525" marB="0" anchor="b"/>
                 </a:tc>
               </a:tr>
-              <a:tr h="332656">
+              <a:tr h="421780">
                 <a:tc>
                   <a:txBody>
                     <a:bodyPr/>
@@ -7313,7 +7314,7 @@
                   <a:tcPr marL="9525" marR="9525" marT="9525" marB="0" anchor="b"/>
                 </a:tc>
               </a:tr>
-              <a:tr h="332656">
+              <a:tr h="421780">
                 <a:tc>
                   <a:txBody>
                     <a:bodyPr/>
@@ -7424,14 +7425,14 @@
           <p:nvPr>
             <p:extLst>
               <p:ext uri="{D42A27DB-BD31-4B8C-83A1-F6EECF244321}">
-                <p14:modId xmlns:p14="http://schemas.microsoft.com/office/powerpoint/2010/main" val="1466090798"/>
+                <p14:modId xmlns:p14="http://schemas.microsoft.com/office/powerpoint/2010/main" val="3414425217"/>
               </p:ext>
             </p:extLst>
           </p:nvPr>
         </p:nvGraphicFramePr>
         <p:xfrm>
-          <a:off x="611560" y="3070114"/>
-          <a:ext cx="3750592" cy="1663280"/>
+          <a:off x="369320" y="3361416"/>
+          <a:ext cx="4142624" cy="2108900"/>
         </p:xfrm>
         <a:graphic>
           <a:graphicData uri="http://schemas.openxmlformats.org/drawingml/2006/table">
@@ -7440,12 +7441,567 @@
                 <a:tableStyleId>{5C22544A-7EE6-4342-B048-85BDC9FD1C3A}</a:tableStyleId>
               </a:tblPr>
               <a:tblGrid>
-                <a:gridCol w="937648"/>
-                <a:gridCol w="937648"/>
-                <a:gridCol w="937648"/>
-                <a:gridCol w="937648"/>
+                <a:gridCol w="1035656"/>
+                <a:gridCol w="1035656"/>
+                <a:gridCol w="1035656"/>
+                <a:gridCol w="1035656"/>
               </a:tblGrid>
-              <a:tr h="332656">
+              <a:tr h="421780">
+                <a:tc>
+                  <a:txBody>
+                    <a:bodyPr/>
+                    <a:lstStyle/>
+                    <a:p>
+                      <a:pPr algn="ctr" fontAlgn="b"/>
+                      <a:r>
+                        <a:rPr lang="pl-PL" sz="1400" u="none" strike="noStrike" dirty="0">
+                          <a:effectLst/>
+                          <a:latin typeface="Caviar Dreams" panose="020B0402020204020504" pitchFamily="34" charset="0"/>
+                        </a:rPr>
+                        <a:t> </a:t>
+                      </a:r>
+                      <a:r>
+                        <a:rPr lang="pl-PL" sz="1400" u="none" strike="noStrike" dirty="0" smtClean="0">
+                          <a:effectLst/>
+                          <a:latin typeface="Caviar Dreams" panose="020B0402020204020504" pitchFamily="34" charset="0"/>
+                        </a:rPr>
+                        <a:t>n=60 </a:t>
+                      </a:r>
+                      <a:r>
+                        <a:rPr lang="pl-PL" sz="1400" u="none" strike="noStrike" baseline="0" dirty="0" smtClean="0">
+                          <a:effectLst/>
+                          <a:latin typeface="Caviar Dreams" panose="020B0402020204020504" pitchFamily="34" charset="0"/>
+                        </a:rPr>
+                        <a:t> k=7</a:t>
+                      </a:r>
+                      <a:endParaRPr lang="pl-PL" sz="1400" b="0" i="0" u="none" strike="noStrike" dirty="0">
+                        <a:solidFill>
+                          <a:srgbClr val="000000"/>
+                        </a:solidFill>
+                        <a:effectLst/>
+                        <a:latin typeface="Caviar Dreams" panose="020B0402020204020504" pitchFamily="34" charset="0"/>
+                      </a:endParaRPr>
+                    </a:p>
+                  </a:txBody>
+                  <a:tcPr marL="9525" marR="9525" marT="9525" marB="0" anchor="b"/>
+                </a:tc>
+                <a:tc>
+                  <a:txBody>
+                    <a:bodyPr/>
+                    <a:lstStyle/>
+                    <a:p>
+                      <a:pPr algn="ctr" fontAlgn="b"/>
+                      <a:r>
+                        <a:rPr lang="pl-PL" sz="1400" b="1" u="none" strike="noStrike" dirty="0">
+                          <a:effectLst/>
+                          <a:latin typeface="Caviar Dreams" panose="020B0402020204020504" pitchFamily="34" charset="0"/>
+                        </a:rPr>
+                        <a:t>łatwy</a:t>
+                      </a:r>
+                      <a:endParaRPr lang="pl-PL" sz="1400" b="1" i="0" u="none" strike="noStrike" dirty="0">
+                        <a:solidFill>
+                          <a:srgbClr val="000000"/>
+                        </a:solidFill>
+                        <a:effectLst/>
+                        <a:latin typeface="Caviar Dreams" panose="020B0402020204020504" pitchFamily="34" charset="0"/>
+                      </a:endParaRPr>
+                    </a:p>
+                  </a:txBody>
+                  <a:tcPr marL="9525" marR="9525" marT="9525" marB="0" anchor="b"/>
+                </a:tc>
+                <a:tc>
+                  <a:txBody>
+                    <a:bodyPr/>
+                    <a:lstStyle/>
+                    <a:p>
+                      <a:pPr algn="ctr" fontAlgn="b"/>
+                      <a:r>
+                        <a:rPr lang="pl-PL" sz="1400" b="1" u="none" strike="noStrike" dirty="0">
+                          <a:effectLst/>
+                          <a:latin typeface="Caviar Dreams" panose="020B0402020204020504" pitchFamily="34" charset="0"/>
+                        </a:rPr>
+                        <a:t>średni</a:t>
+                      </a:r>
+                      <a:endParaRPr lang="pl-PL" sz="1400" b="1" i="0" u="none" strike="noStrike" dirty="0">
+                        <a:solidFill>
+                          <a:srgbClr val="000000"/>
+                        </a:solidFill>
+                        <a:effectLst/>
+                        <a:latin typeface="Caviar Dreams" panose="020B0402020204020504" pitchFamily="34" charset="0"/>
+                      </a:endParaRPr>
+                    </a:p>
+                  </a:txBody>
+                  <a:tcPr marL="9525" marR="9525" marT="9525" marB="0" anchor="b"/>
+                </a:tc>
+                <a:tc>
+                  <a:txBody>
+                    <a:bodyPr/>
+                    <a:lstStyle/>
+                    <a:p>
+                      <a:pPr algn="ctr" fontAlgn="b"/>
+                      <a:r>
+                        <a:rPr lang="pl-PL" sz="1400" b="1" u="none" strike="noStrike" dirty="0">
+                          <a:effectLst/>
+                          <a:latin typeface="Caviar Dreams" panose="020B0402020204020504" pitchFamily="34" charset="0"/>
+                        </a:rPr>
+                        <a:t>trudny</a:t>
+                      </a:r>
+                      <a:endParaRPr lang="pl-PL" sz="1400" b="1" i="0" u="none" strike="noStrike" dirty="0">
+                        <a:solidFill>
+                          <a:srgbClr val="000000"/>
+                        </a:solidFill>
+                        <a:effectLst/>
+                        <a:latin typeface="Caviar Dreams" panose="020B0402020204020504" pitchFamily="34" charset="0"/>
+                      </a:endParaRPr>
+                    </a:p>
+                  </a:txBody>
+                  <a:tcPr marL="9525" marR="9525" marT="9525" marB="0" anchor="b"/>
+                </a:tc>
+              </a:tr>
+              <a:tr h="421780">
+                <a:tc>
+                  <a:txBody>
+                    <a:bodyPr/>
+                    <a:lstStyle/>
+                    <a:p>
+                      <a:pPr algn="ctr" fontAlgn="b"/>
+                      <a:r>
+                        <a:rPr lang="pl-PL" sz="1400" b="1" u="none" strike="noStrike" dirty="0">
+                          <a:effectLst/>
+                          <a:latin typeface="Caviar Dreams" panose="020B0402020204020504" pitchFamily="34" charset="0"/>
+                        </a:rPr>
+                        <a:t>gracz</a:t>
+                      </a:r>
+                      <a:endParaRPr lang="pl-PL" sz="1400" b="1" i="0" u="none" strike="noStrike" dirty="0">
+                        <a:solidFill>
+                          <a:srgbClr val="000000"/>
+                        </a:solidFill>
+                        <a:effectLst/>
+                        <a:latin typeface="Caviar Dreams" panose="020B0402020204020504" pitchFamily="34" charset="0"/>
+                      </a:endParaRPr>
+                    </a:p>
+                  </a:txBody>
+                  <a:tcPr marL="9525" marR="9525" marT="9525" marB="0" anchor="b"/>
+                </a:tc>
+                <a:tc>
+                  <a:txBody>
+                    <a:bodyPr/>
+                    <a:lstStyle/>
+                    <a:p>
+                      <a:pPr algn="ctr" fontAlgn="b"/>
+                      <a:r>
+                        <a:rPr lang="pl-PL" sz="1400" b="0" i="0" u="none" strike="noStrike" dirty="0" smtClean="0">
+                          <a:solidFill>
+                            <a:srgbClr val="000000"/>
+                          </a:solidFill>
+                          <a:effectLst/>
+                          <a:latin typeface="Caviar Dreams" panose="020B0402020204020504" pitchFamily="34" charset="0"/>
+                        </a:rPr>
+                        <a:t>6</a:t>
+                      </a:r>
+                    </a:p>
+                  </a:txBody>
+                  <a:tcPr marL="9525" marR="9525" marT="9525" marB="0" anchor="b"/>
+                </a:tc>
+                <a:tc>
+                  <a:txBody>
+                    <a:bodyPr/>
+                    <a:lstStyle/>
+                    <a:p>
+                      <a:pPr algn="ctr" fontAlgn="b"/>
+                      <a:r>
+                        <a:rPr lang="pl-PL" sz="1400" b="0" i="0" u="none" strike="noStrike" dirty="0" smtClean="0">
+                          <a:solidFill>
+                            <a:srgbClr val="000000"/>
+                          </a:solidFill>
+                          <a:effectLst/>
+                          <a:latin typeface="Caviar Dreams" panose="020B0402020204020504" pitchFamily="34" charset="0"/>
+                        </a:rPr>
+                        <a:t>4</a:t>
+                      </a:r>
+                      <a:endParaRPr lang="pl-PL" sz="1400" b="0" i="0" u="none" strike="noStrike" dirty="0">
+                        <a:solidFill>
+                          <a:srgbClr val="000000"/>
+                        </a:solidFill>
+                        <a:effectLst/>
+                        <a:latin typeface="Caviar Dreams" panose="020B0402020204020504" pitchFamily="34" charset="0"/>
+                      </a:endParaRPr>
+                    </a:p>
+                  </a:txBody>
+                  <a:tcPr marL="9525" marR="9525" marT="9525" marB="0" anchor="b"/>
+                </a:tc>
+                <a:tc>
+                  <a:txBody>
+                    <a:bodyPr/>
+                    <a:lstStyle/>
+                    <a:p>
+                      <a:pPr algn="ctr" fontAlgn="b"/>
+                      <a:r>
+                        <a:rPr lang="pl-PL" sz="1400" b="0" i="0" u="none" strike="noStrike" dirty="0" smtClean="0">
+                          <a:solidFill>
+                            <a:srgbClr val="000000"/>
+                          </a:solidFill>
+                          <a:effectLst/>
+                          <a:latin typeface="Caviar Dreams" panose="020B0402020204020504" pitchFamily="34" charset="0"/>
+                        </a:rPr>
+                        <a:t>0</a:t>
+                      </a:r>
+                      <a:endParaRPr lang="pl-PL" sz="1400" b="0" i="0" u="none" strike="noStrike" dirty="0">
+                        <a:solidFill>
+                          <a:srgbClr val="000000"/>
+                        </a:solidFill>
+                        <a:effectLst/>
+                        <a:latin typeface="Caviar Dreams" panose="020B0402020204020504" pitchFamily="34" charset="0"/>
+                      </a:endParaRPr>
+                    </a:p>
+                  </a:txBody>
+                  <a:tcPr marL="9525" marR="9525" marT="9525" marB="0" anchor="b"/>
+                </a:tc>
+              </a:tr>
+              <a:tr h="421780">
+                <a:tc>
+                  <a:txBody>
+                    <a:bodyPr/>
+                    <a:lstStyle/>
+                    <a:p>
+                      <a:pPr algn="ctr" fontAlgn="b"/>
+                      <a:r>
+                        <a:rPr lang="pl-PL" sz="1400" b="1" u="none" strike="noStrike" dirty="0">
+                          <a:effectLst/>
+                          <a:latin typeface="Caviar Dreams" panose="020B0402020204020504" pitchFamily="34" charset="0"/>
+                        </a:rPr>
+                        <a:t>remis</a:t>
+                      </a:r>
+                      <a:endParaRPr lang="pl-PL" sz="1400" b="1" i="0" u="none" strike="noStrike" dirty="0">
+                        <a:solidFill>
+                          <a:srgbClr val="000000"/>
+                        </a:solidFill>
+                        <a:effectLst/>
+                        <a:latin typeface="Caviar Dreams" panose="020B0402020204020504" pitchFamily="34" charset="0"/>
+                      </a:endParaRPr>
+                    </a:p>
+                  </a:txBody>
+                  <a:tcPr marL="9525" marR="9525" marT="9525" marB="0" anchor="b"/>
+                </a:tc>
+                <a:tc>
+                  <a:txBody>
+                    <a:bodyPr/>
+                    <a:lstStyle/>
+                    <a:p>
+                      <a:pPr algn="ctr" fontAlgn="b"/>
+                      <a:r>
+                        <a:rPr lang="pl-PL" sz="1400" b="0" i="0" u="none" strike="noStrike" dirty="0" smtClean="0">
+                          <a:solidFill>
+                            <a:srgbClr val="000000"/>
+                          </a:solidFill>
+                          <a:effectLst/>
+                          <a:latin typeface="Caviar Dreams" panose="020B0402020204020504" pitchFamily="34" charset="0"/>
+                        </a:rPr>
+                        <a:t>0</a:t>
+                      </a:r>
+                      <a:endParaRPr lang="pl-PL" sz="1400" b="0" i="0" u="none" strike="noStrike" dirty="0">
+                        <a:solidFill>
+                          <a:srgbClr val="000000"/>
+                        </a:solidFill>
+                        <a:effectLst/>
+                        <a:latin typeface="Caviar Dreams" panose="020B0402020204020504" pitchFamily="34" charset="0"/>
+                      </a:endParaRPr>
+                    </a:p>
+                  </a:txBody>
+                  <a:tcPr marL="9525" marR="9525" marT="9525" marB="0" anchor="b"/>
+                </a:tc>
+                <a:tc>
+                  <a:txBody>
+                    <a:bodyPr/>
+                    <a:lstStyle/>
+                    <a:p>
+                      <a:pPr algn="ctr" fontAlgn="b"/>
+                      <a:r>
+                        <a:rPr lang="pl-PL" sz="1400" b="0" i="0" u="none" strike="noStrike" dirty="0" smtClean="0">
+                          <a:solidFill>
+                            <a:srgbClr val="000000"/>
+                          </a:solidFill>
+                          <a:effectLst/>
+                          <a:latin typeface="Caviar Dreams" panose="020B0402020204020504" pitchFamily="34" charset="0"/>
+                        </a:rPr>
+                        <a:t>0</a:t>
+                      </a:r>
+                      <a:endParaRPr lang="pl-PL" sz="1400" b="0" i="0" u="none" strike="noStrike" dirty="0">
+                        <a:solidFill>
+                          <a:srgbClr val="000000"/>
+                        </a:solidFill>
+                        <a:effectLst/>
+                        <a:latin typeface="Caviar Dreams" panose="020B0402020204020504" pitchFamily="34" charset="0"/>
+                      </a:endParaRPr>
+                    </a:p>
+                  </a:txBody>
+                  <a:tcPr marL="9525" marR="9525" marT="9525" marB="0" anchor="b"/>
+                </a:tc>
+                <a:tc>
+                  <a:txBody>
+                    <a:bodyPr/>
+                    <a:lstStyle/>
+                    <a:p>
+                      <a:pPr algn="ctr" fontAlgn="b"/>
+                      <a:r>
+                        <a:rPr lang="pl-PL" sz="1400" b="0" i="0" u="none" strike="noStrike" dirty="0" smtClean="0">
+                          <a:solidFill>
+                            <a:srgbClr val="000000"/>
+                          </a:solidFill>
+                          <a:effectLst/>
+                          <a:latin typeface="Caviar Dreams" panose="020B0402020204020504" pitchFamily="34" charset="0"/>
+                        </a:rPr>
+                        <a:t>0</a:t>
+                      </a:r>
+                      <a:endParaRPr lang="pl-PL" sz="1400" b="0" i="0" u="none" strike="noStrike" dirty="0">
+                        <a:solidFill>
+                          <a:srgbClr val="000000"/>
+                        </a:solidFill>
+                        <a:effectLst/>
+                        <a:latin typeface="Caviar Dreams" panose="020B0402020204020504" pitchFamily="34" charset="0"/>
+                      </a:endParaRPr>
+                    </a:p>
+                  </a:txBody>
+                  <a:tcPr marL="9525" marR="9525" marT="9525" marB="0" anchor="b"/>
+                </a:tc>
+              </a:tr>
+              <a:tr h="421780">
+                <a:tc>
+                  <a:txBody>
+                    <a:bodyPr/>
+                    <a:lstStyle/>
+                    <a:p>
+                      <a:pPr algn="ctr" fontAlgn="b"/>
+                      <a:r>
+                        <a:rPr lang="pl-PL" sz="1400" b="1" u="none" strike="noStrike" dirty="0">
+                          <a:effectLst/>
+                          <a:latin typeface="Caviar Dreams" panose="020B0402020204020504" pitchFamily="34" charset="0"/>
+                        </a:rPr>
+                        <a:t>komputer</a:t>
+                      </a:r>
+                      <a:endParaRPr lang="pl-PL" sz="1400" b="1" i="0" u="none" strike="noStrike" dirty="0">
+                        <a:solidFill>
+                          <a:srgbClr val="000000"/>
+                        </a:solidFill>
+                        <a:effectLst/>
+                        <a:latin typeface="Caviar Dreams" panose="020B0402020204020504" pitchFamily="34" charset="0"/>
+                      </a:endParaRPr>
+                    </a:p>
+                  </a:txBody>
+                  <a:tcPr marL="9525" marR="9525" marT="9525" marB="0" anchor="b"/>
+                </a:tc>
+                <a:tc>
+                  <a:txBody>
+                    <a:bodyPr/>
+                    <a:lstStyle/>
+                    <a:p>
+                      <a:pPr algn="ctr" fontAlgn="b"/>
+                      <a:r>
+                        <a:rPr lang="pl-PL" sz="1400" b="0" i="0" u="none" strike="noStrike" dirty="0" smtClean="0">
+                          <a:solidFill>
+                            <a:srgbClr val="000000"/>
+                          </a:solidFill>
+                          <a:effectLst/>
+                          <a:latin typeface="Caviar Dreams" panose="020B0402020204020504" pitchFamily="34" charset="0"/>
+                        </a:rPr>
+                        <a:t>1</a:t>
+                      </a:r>
+                      <a:endParaRPr lang="pl-PL" sz="1400" b="0" i="0" u="none" strike="noStrike" dirty="0">
+                        <a:solidFill>
+                          <a:srgbClr val="000000"/>
+                        </a:solidFill>
+                        <a:effectLst/>
+                        <a:latin typeface="Caviar Dreams" panose="020B0402020204020504" pitchFamily="34" charset="0"/>
+                      </a:endParaRPr>
+                    </a:p>
+                  </a:txBody>
+                  <a:tcPr marL="9525" marR="9525" marT="9525" marB="0" anchor="b"/>
+                </a:tc>
+                <a:tc>
+                  <a:txBody>
+                    <a:bodyPr/>
+                    <a:lstStyle/>
+                    <a:p>
+                      <a:pPr algn="ctr" fontAlgn="b"/>
+                      <a:r>
+                        <a:rPr lang="pl-PL" sz="1400" b="0" i="0" u="none" strike="noStrike" dirty="0" smtClean="0">
+                          <a:solidFill>
+                            <a:srgbClr val="000000"/>
+                          </a:solidFill>
+                          <a:effectLst/>
+                          <a:latin typeface="Caviar Dreams" panose="020B0402020204020504" pitchFamily="34" charset="0"/>
+                        </a:rPr>
+                        <a:t>4</a:t>
+                      </a:r>
+                      <a:endParaRPr lang="pl-PL" sz="1400" b="0" i="0" u="none" strike="noStrike" dirty="0">
+                        <a:solidFill>
+                          <a:srgbClr val="000000"/>
+                        </a:solidFill>
+                        <a:effectLst/>
+                        <a:latin typeface="Caviar Dreams" panose="020B0402020204020504" pitchFamily="34" charset="0"/>
+                      </a:endParaRPr>
+                    </a:p>
+                  </a:txBody>
+                  <a:tcPr marL="9525" marR="9525" marT="9525" marB="0" anchor="b"/>
+                </a:tc>
+                <a:tc>
+                  <a:txBody>
+                    <a:bodyPr/>
+                    <a:lstStyle/>
+                    <a:p>
+                      <a:pPr algn="ctr" fontAlgn="b"/>
+                      <a:r>
+                        <a:rPr lang="pl-PL" sz="1400" u="none" strike="noStrike" dirty="0" smtClean="0">
+                          <a:effectLst/>
+                          <a:latin typeface="Caviar Dreams" panose="020B0402020204020504" pitchFamily="34" charset="0"/>
+                        </a:rPr>
+                        <a:t>7</a:t>
+                      </a:r>
+                      <a:endParaRPr lang="pl-PL" sz="1400" u="none" strike="noStrike" dirty="0" smtClean="0">
+                        <a:effectLst/>
+                        <a:latin typeface="Caviar Dreams" panose="020B0402020204020504" pitchFamily="34" charset="0"/>
+                      </a:endParaRPr>
+                    </a:p>
+                  </a:txBody>
+                  <a:tcPr marL="9525" marR="9525" marT="9525" marB="0" anchor="b"/>
+                </a:tc>
+              </a:tr>
+              <a:tr h="421780">
+                <a:tc>
+                  <a:txBody>
+                    <a:bodyPr/>
+                    <a:lstStyle/>
+                    <a:p>
+                      <a:pPr algn="ctr" fontAlgn="b"/>
+                      <a:r>
+                        <a:rPr lang="pl-PL" sz="1400" b="1" u="none" strike="noStrike" dirty="0">
+                          <a:effectLst/>
+                          <a:latin typeface="Caviar Dreams" panose="020B0402020204020504" pitchFamily="34" charset="0"/>
+                        </a:rPr>
+                        <a:t>impas</a:t>
+                      </a:r>
+                      <a:endParaRPr lang="pl-PL" sz="1400" b="1" i="0" u="none" strike="noStrike" dirty="0">
+                        <a:solidFill>
+                          <a:srgbClr val="000000"/>
+                        </a:solidFill>
+                        <a:effectLst/>
+                        <a:latin typeface="Caviar Dreams" panose="020B0402020204020504" pitchFamily="34" charset="0"/>
+                      </a:endParaRPr>
+                    </a:p>
+                  </a:txBody>
+                  <a:tcPr marL="9525" marR="9525" marT="9525" marB="0" anchor="b"/>
+                </a:tc>
+                <a:tc>
+                  <a:txBody>
+                    <a:bodyPr/>
+                    <a:lstStyle/>
+                    <a:p>
+                      <a:pPr algn="ctr" fontAlgn="b"/>
+                      <a:r>
+                        <a:rPr lang="pl-PL" sz="1400" b="0" i="0" u="none" strike="noStrike" dirty="0" smtClean="0">
+                          <a:solidFill>
+                            <a:srgbClr val="000000"/>
+                          </a:solidFill>
+                          <a:effectLst/>
+                          <a:latin typeface="Caviar Dreams" panose="020B0402020204020504" pitchFamily="34" charset="0"/>
+                        </a:rPr>
+                        <a:t>3</a:t>
+                      </a:r>
+                      <a:endParaRPr lang="pl-PL" sz="1400" b="0" i="0" u="none" strike="noStrike" dirty="0">
+                        <a:solidFill>
+                          <a:srgbClr val="000000"/>
+                        </a:solidFill>
+                        <a:effectLst/>
+                        <a:latin typeface="Caviar Dreams" panose="020B0402020204020504" pitchFamily="34" charset="0"/>
+                      </a:endParaRPr>
+                    </a:p>
+                  </a:txBody>
+                  <a:tcPr marL="9525" marR="9525" marT="9525" marB="0" anchor="b"/>
+                </a:tc>
+                <a:tc>
+                  <a:txBody>
+                    <a:bodyPr/>
+                    <a:lstStyle/>
+                    <a:p>
+                      <a:pPr algn="ctr" fontAlgn="b"/>
+                      <a:r>
+                        <a:rPr lang="pl-PL" sz="1400" b="0" i="0" u="none" strike="noStrike" dirty="0" smtClean="0">
+                          <a:solidFill>
+                            <a:srgbClr val="000000"/>
+                          </a:solidFill>
+                          <a:effectLst/>
+                          <a:latin typeface="Caviar Dreams" panose="020B0402020204020504" pitchFamily="34" charset="0"/>
+                        </a:rPr>
+                        <a:t>2</a:t>
+                      </a:r>
+                      <a:endParaRPr lang="pl-PL" sz="1400" b="0" i="0" u="none" strike="noStrike" dirty="0">
+                        <a:solidFill>
+                          <a:srgbClr val="000000"/>
+                        </a:solidFill>
+                        <a:effectLst/>
+                        <a:latin typeface="Caviar Dreams" panose="020B0402020204020504" pitchFamily="34" charset="0"/>
+                      </a:endParaRPr>
+                    </a:p>
+                  </a:txBody>
+                  <a:tcPr marL="9525" marR="9525" marT="9525" marB="0" anchor="b"/>
+                </a:tc>
+                <a:tc>
+                  <a:txBody>
+                    <a:bodyPr/>
+                    <a:lstStyle/>
+                    <a:p>
+                      <a:pPr algn="ctr" fontAlgn="b"/>
+                      <a:r>
+                        <a:rPr lang="pl-PL" sz="1400" u="none" strike="noStrike" dirty="0" smtClean="0">
+                          <a:effectLst/>
+                          <a:latin typeface="Caviar Dreams" panose="020B0402020204020504" pitchFamily="34" charset="0"/>
+                        </a:rPr>
+                        <a:t>3</a:t>
+                      </a:r>
+                      <a:endParaRPr lang="pl-PL" sz="1400" u="none" strike="noStrike" dirty="0" smtClean="0">
+                        <a:effectLst/>
+                        <a:latin typeface="Caviar Dreams" panose="020B0402020204020504" pitchFamily="34" charset="0"/>
+                      </a:endParaRPr>
+                    </a:p>
+                  </a:txBody>
+                  <a:tcPr marL="9525" marR="9525" marT="9525" marB="0" anchor="b"/>
+                </a:tc>
+              </a:tr>
+            </a:tbl>
+          </a:graphicData>
+        </a:graphic>
+      </p:graphicFrame>
+      <p:graphicFrame>
+        <p:nvGraphicFramePr>
+          <p:cNvPr id="8" name="Tabela 7"/>
+          <p:cNvGraphicFramePr>
+            <a:graphicFrameLocks noGrp="1"/>
+          </p:cNvGraphicFramePr>
+          <p:nvPr>
+            <p:extLst>
+              <p:ext uri="{D42A27DB-BD31-4B8C-83A1-F6EECF244321}">
+                <p14:modId xmlns:p14="http://schemas.microsoft.com/office/powerpoint/2010/main" val="4231858550"/>
+              </p:ext>
+            </p:extLst>
+          </p:nvPr>
+        </p:nvGraphicFramePr>
+        <p:xfrm>
+          <a:off x="4661118" y="3361416"/>
+          <a:ext cx="4164608" cy="2108902"/>
+        </p:xfrm>
+        <a:graphic>
+          <a:graphicData uri="http://schemas.openxmlformats.org/drawingml/2006/table">
+            <a:tbl>
+              <a:tblPr>
+                <a:tableStyleId>{5C22544A-7EE6-4342-B048-85BDC9FD1C3A}</a:tableStyleId>
+              </a:tblPr>
+              <a:tblGrid>
+                <a:gridCol w="1041152"/>
+                <a:gridCol w="1041152"/>
+                <a:gridCol w="1041152"/>
+                <a:gridCol w="1041152"/>
+              </a:tblGrid>
+              <a:tr h="520694">
                 <a:tc>
                   <a:txBody>
                     <a:bodyPr/>
@@ -7557,7 +8113,7 @@
                   <a:tcPr marL="9525" marR="9525" marT="9525" marB="0" anchor="b"/>
                 </a:tc>
               </a:tr>
-              <a:tr h="332656">
+              <a:tr h="397052">
                 <a:tc>
                   <a:txBody>
                     <a:bodyPr/>
@@ -7655,7 +8211,7 @@
                   <a:tcPr marL="9525" marR="9525" marT="9525" marB="0" anchor="b"/>
                 </a:tc>
               </a:tr>
-              <a:tr h="332656">
+              <a:tr h="397052">
                 <a:tc>
                   <a:txBody>
                     <a:bodyPr/>
@@ -7753,7 +8309,7 @@
                   <a:tcPr marL="9525" marR="9525" marT="9525" marB="0" anchor="b"/>
                 </a:tc>
               </a:tr>
-              <a:tr h="332656">
+              <a:tr h="397052">
                 <a:tc>
                   <a:txBody>
                     <a:bodyPr/>
@@ -7842,16 +8398,12 @@
                         </a:rPr>
                         <a:t>4</a:t>
                       </a:r>
-                      <a:endParaRPr lang="pl-PL" sz="1400" u="none" strike="noStrike" dirty="0" smtClean="0">
-                        <a:effectLst/>
-                        <a:latin typeface="Caviar Dreams" panose="020B0402020204020504" pitchFamily="34" charset="0"/>
-                      </a:endParaRPr>
                     </a:p>
                   </a:txBody>
                   <a:tcPr marL="9525" marR="9525" marT="9525" marB="0" anchor="b"/>
                 </a:tc>
               </a:tr>
-              <a:tr h="332656">
+              <a:tr h="397052">
                 <a:tc>
                   <a:txBody>
                     <a:bodyPr/>
@@ -7949,544 +8501,6 @@
           </a:graphicData>
         </a:graphic>
       </p:graphicFrame>
-      <p:graphicFrame>
-        <p:nvGraphicFramePr>
-          <p:cNvPr id="8" name="Tabela 7"/>
-          <p:cNvGraphicFramePr>
-            <a:graphicFrameLocks noGrp="1"/>
-          </p:cNvGraphicFramePr>
-          <p:nvPr>
-            <p:extLst>
-              <p:ext uri="{D42A27DB-BD31-4B8C-83A1-F6EECF244321}">
-                <p14:modId xmlns:p14="http://schemas.microsoft.com/office/powerpoint/2010/main" val="3566423156"/>
-              </p:ext>
-            </p:extLst>
-          </p:nvPr>
-        </p:nvGraphicFramePr>
-        <p:xfrm>
-          <a:off x="4871888" y="3070114"/>
-          <a:ext cx="3750592" cy="1663280"/>
-        </p:xfrm>
-        <a:graphic>
-          <a:graphicData uri="http://schemas.openxmlformats.org/drawingml/2006/table">
-            <a:tbl>
-              <a:tblPr>
-                <a:tableStyleId>{5C22544A-7EE6-4342-B048-85BDC9FD1C3A}</a:tableStyleId>
-              </a:tblPr>
-              <a:tblGrid>
-                <a:gridCol w="937648"/>
-                <a:gridCol w="937648"/>
-                <a:gridCol w="937648"/>
-                <a:gridCol w="937648"/>
-              </a:tblGrid>
-              <a:tr h="332656">
-                <a:tc>
-                  <a:txBody>
-                    <a:bodyPr/>
-                    <a:lstStyle/>
-                    <a:p>
-                      <a:pPr algn="ctr" fontAlgn="b"/>
-                      <a:r>
-                        <a:rPr lang="pl-PL" sz="1400" u="none" strike="noStrike" dirty="0">
-                          <a:effectLst/>
-                          <a:latin typeface="Caviar Dreams" panose="020B0402020204020504" pitchFamily="34" charset="0"/>
-                        </a:rPr>
-                        <a:t> </a:t>
-                      </a:r>
-                      <a:r>
-                        <a:rPr lang="pl-PL" sz="1400" u="none" strike="noStrike" dirty="0" smtClean="0">
-                          <a:effectLst/>
-                          <a:latin typeface="Caviar Dreams" panose="020B0402020204020504" pitchFamily="34" charset="0"/>
-                        </a:rPr>
-                        <a:t>n=? </a:t>
-                      </a:r>
-                      <a:r>
-                        <a:rPr lang="pl-PL" sz="1400" u="none" strike="noStrike" baseline="0" dirty="0" smtClean="0">
-                          <a:effectLst/>
-                          <a:latin typeface="Caviar Dreams" panose="020B0402020204020504" pitchFamily="34" charset="0"/>
-                        </a:rPr>
-                        <a:t> k=?</a:t>
-                      </a:r>
-                      <a:endParaRPr lang="pl-PL" sz="1400" b="0" i="0" u="none" strike="noStrike" dirty="0">
-                        <a:solidFill>
-                          <a:srgbClr val="000000"/>
-                        </a:solidFill>
-                        <a:effectLst/>
-                        <a:latin typeface="Caviar Dreams" panose="020B0402020204020504" pitchFamily="34" charset="0"/>
-                      </a:endParaRPr>
-                    </a:p>
-                  </a:txBody>
-                  <a:tcPr marL="9525" marR="9525" marT="9525" marB="0" anchor="b"/>
-                </a:tc>
-                <a:tc>
-                  <a:txBody>
-                    <a:bodyPr/>
-                    <a:lstStyle/>
-                    <a:p>
-                      <a:pPr algn="ctr" fontAlgn="b"/>
-                      <a:r>
-                        <a:rPr lang="pl-PL" sz="1400" b="1" u="none" strike="noStrike" dirty="0">
-                          <a:effectLst/>
-                          <a:latin typeface="Caviar Dreams" panose="020B0402020204020504" pitchFamily="34" charset="0"/>
-                        </a:rPr>
-                        <a:t>łatwy</a:t>
-                      </a:r>
-                      <a:endParaRPr lang="pl-PL" sz="1400" b="1" i="0" u="none" strike="noStrike" dirty="0">
-                        <a:solidFill>
-                          <a:srgbClr val="000000"/>
-                        </a:solidFill>
-                        <a:effectLst/>
-                        <a:latin typeface="Caviar Dreams" panose="020B0402020204020504" pitchFamily="34" charset="0"/>
-                      </a:endParaRPr>
-                    </a:p>
-                  </a:txBody>
-                  <a:tcPr marL="9525" marR="9525" marT="9525" marB="0" anchor="b"/>
-                </a:tc>
-                <a:tc>
-                  <a:txBody>
-                    <a:bodyPr/>
-                    <a:lstStyle/>
-                    <a:p>
-                      <a:pPr algn="ctr" fontAlgn="b"/>
-                      <a:r>
-                        <a:rPr lang="pl-PL" sz="1400" b="1" u="none" strike="noStrike" dirty="0">
-                          <a:effectLst/>
-                          <a:latin typeface="Caviar Dreams" panose="020B0402020204020504" pitchFamily="34" charset="0"/>
-                        </a:rPr>
-                        <a:t>średni</a:t>
-                      </a:r>
-                      <a:endParaRPr lang="pl-PL" sz="1400" b="1" i="0" u="none" strike="noStrike" dirty="0">
-                        <a:solidFill>
-                          <a:srgbClr val="000000"/>
-                        </a:solidFill>
-                        <a:effectLst/>
-                        <a:latin typeface="Caviar Dreams" panose="020B0402020204020504" pitchFamily="34" charset="0"/>
-                      </a:endParaRPr>
-                    </a:p>
-                  </a:txBody>
-                  <a:tcPr marL="9525" marR="9525" marT="9525" marB="0" anchor="b"/>
-                </a:tc>
-                <a:tc>
-                  <a:txBody>
-                    <a:bodyPr/>
-                    <a:lstStyle/>
-                    <a:p>
-                      <a:pPr algn="ctr" fontAlgn="b"/>
-                      <a:r>
-                        <a:rPr lang="pl-PL" sz="1400" b="1" u="none" strike="noStrike" dirty="0">
-                          <a:effectLst/>
-                          <a:latin typeface="Caviar Dreams" panose="020B0402020204020504" pitchFamily="34" charset="0"/>
-                        </a:rPr>
-                        <a:t>trudny</a:t>
-                      </a:r>
-                      <a:endParaRPr lang="pl-PL" sz="1400" b="1" i="0" u="none" strike="noStrike" dirty="0">
-                        <a:solidFill>
-                          <a:srgbClr val="000000"/>
-                        </a:solidFill>
-                        <a:effectLst/>
-                        <a:latin typeface="Caviar Dreams" panose="020B0402020204020504" pitchFamily="34" charset="0"/>
-                      </a:endParaRPr>
-                    </a:p>
-                  </a:txBody>
-                  <a:tcPr marL="9525" marR="9525" marT="9525" marB="0" anchor="b"/>
-                </a:tc>
-              </a:tr>
-              <a:tr h="332656">
-                <a:tc>
-                  <a:txBody>
-                    <a:bodyPr/>
-                    <a:lstStyle/>
-                    <a:p>
-                      <a:pPr algn="ctr" fontAlgn="b"/>
-                      <a:r>
-                        <a:rPr lang="pl-PL" sz="1400" b="1" u="none" strike="noStrike" dirty="0">
-                          <a:effectLst/>
-                          <a:latin typeface="Caviar Dreams" panose="020B0402020204020504" pitchFamily="34" charset="0"/>
-                        </a:rPr>
-                        <a:t>gracz</a:t>
-                      </a:r>
-                      <a:endParaRPr lang="pl-PL" sz="1400" b="1" i="0" u="none" strike="noStrike" dirty="0">
-                        <a:solidFill>
-                          <a:srgbClr val="000000"/>
-                        </a:solidFill>
-                        <a:effectLst/>
-                        <a:latin typeface="Caviar Dreams" panose="020B0402020204020504" pitchFamily="34" charset="0"/>
-                      </a:endParaRPr>
-                    </a:p>
-                  </a:txBody>
-                  <a:tcPr marL="9525" marR="9525" marT="9525" marB="0" anchor="b"/>
-                </a:tc>
-                <a:tc>
-                  <a:txBody>
-                    <a:bodyPr/>
-                    <a:lstStyle/>
-                    <a:p>
-                      <a:pPr algn="ctr" fontAlgn="b"/>
-                      <a:r>
-                        <a:rPr lang="pl-PL" sz="1400" u="none" strike="noStrike" dirty="0" smtClean="0">
-                          <a:effectLst/>
-                          <a:latin typeface="Caviar Dreams" panose="020B0402020204020504" pitchFamily="34" charset="0"/>
-                        </a:rPr>
-                        <a:t>0</a:t>
-                      </a:r>
-                      <a:endParaRPr lang="pl-PL" sz="1400" b="0" i="0" u="none" strike="noStrike" dirty="0">
-                        <a:solidFill>
-                          <a:srgbClr val="000000"/>
-                        </a:solidFill>
-                        <a:effectLst/>
-                        <a:latin typeface="Caviar Dreams" panose="020B0402020204020504" pitchFamily="34" charset="0"/>
-                      </a:endParaRPr>
-                    </a:p>
-                  </a:txBody>
-                  <a:tcPr marL="9525" marR="9525" marT="9525" marB="0" anchor="b"/>
-                </a:tc>
-                <a:tc>
-                  <a:txBody>
-                    <a:bodyPr/>
-                    <a:lstStyle/>
-                    <a:p>
-                      <a:pPr algn="ctr" fontAlgn="b"/>
-                      <a:r>
-                        <a:rPr lang="pl-PL" sz="1400" u="none" strike="noStrike" dirty="0" smtClean="0">
-                          <a:effectLst/>
-                          <a:latin typeface="Caviar Dreams" panose="020B0402020204020504" pitchFamily="34" charset="0"/>
-                        </a:rPr>
-                        <a:t>0</a:t>
-                      </a:r>
-                      <a:endParaRPr lang="pl-PL" sz="1400" b="0" i="0" u="none" strike="noStrike" dirty="0">
-                        <a:solidFill>
-                          <a:srgbClr val="000000"/>
-                        </a:solidFill>
-                        <a:effectLst/>
-                        <a:latin typeface="Caviar Dreams" panose="020B0402020204020504" pitchFamily="34" charset="0"/>
-                      </a:endParaRPr>
-                    </a:p>
-                  </a:txBody>
-                  <a:tcPr marL="9525" marR="9525" marT="9525" marB="0" anchor="b"/>
-                </a:tc>
-                <a:tc>
-                  <a:txBody>
-                    <a:bodyPr/>
-                    <a:lstStyle/>
-                    <a:p>
-                      <a:pPr algn="ctr" fontAlgn="b"/>
-                      <a:r>
-                        <a:rPr lang="pl-PL" sz="1400" u="none" strike="noStrike" dirty="0" smtClean="0">
-                          <a:effectLst/>
-                          <a:latin typeface="Caviar Dreams" panose="020B0402020204020504" pitchFamily="34" charset="0"/>
-                        </a:rPr>
-                        <a:t>0</a:t>
-                      </a:r>
-                      <a:endParaRPr lang="pl-PL" sz="1400" b="0" i="0" u="none" strike="noStrike" dirty="0">
-                        <a:solidFill>
-                          <a:srgbClr val="000000"/>
-                        </a:solidFill>
-                        <a:effectLst/>
-                        <a:latin typeface="Caviar Dreams" panose="020B0402020204020504" pitchFamily="34" charset="0"/>
-                      </a:endParaRPr>
-                    </a:p>
-                  </a:txBody>
-                  <a:tcPr marL="9525" marR="9525" marT="9525" marB="0" anchor="b"/>
-                </a:tc>
-              </a:tr>
-              <a:tr h="332656">
-                <a:tc>
-                  <a:txBody>
-                    <a:bodyPr/>
-                    <a:lstStyle/>
-                    <a:p>
-                      <a:pPr algn="ctr" fontAlgn="b"/>
-                      <a:r>
-                        <a:rPr lang="pl-PL" sz="1400" b="1" u="none" strike="noStrike" dirty="0">
-                          <a:effectLst/>
-                          <a:latin typeface="Caviar Dreams" panose="020B0402020204020504" pitchFamily="34" charset="0"/>
-                        </a:rPr>
-                        <a:t>remis</a:t>
-                      </a:r>
-                      <a:endParaRPr lang="pl-PL" sz="1400" b="1" i="0" u="none" strike="noStrike" dirty="0">
-                        <a:solidFill>
-                          <a:srgbClr val="000000"/>
-                        </a:solidFill>
-                        <a:effectLst/>
-                        <a:latin typeface="Caviar Dreams" panose="020B0402020204020504" pitchFamily="34" charset="0"/>
-                      </a:endParaRPr>
-                    </a:p>
-                  </a:txBody>
-                  <a:tcPr marL="9525" marR="9525" marT="9525" marB="0" anchor="b"/>
-                </a:tc>
-                <a:tc>
-                  <a:txBody>
-                    <a:bodyPr/>
-                    <a:lstStyle/>
-                    <a:p>
-                      <a:pPr algn="ctr" fontAlgn="b"/>
-                      <a:r>
-                        <a:rPr lang="pl-PL" sz="1400" u="none" strike="noStrike" dirty="0">
-                          <a:effectLst/>
-                          <a:latin typeface="Caviar Dreams" panose="020B0402020204020504" pitchFamily="34" charset="0"/>
-                        </a:rPr>
-                        <a:t>0</a:t>
-                      </a:r>
-                      <a:endParaRPr lang="pl-PL" sz="1400" b="0" i="0" u="none" strike="noStrike" dirty="0">
-                        <a:solidFill>
-                          <a:srgbClr val="000000"/>
-                        </a:solidFill>
-                        <a:effectLst/>
-                        <a:latin typeface="Caviar Dreams" panose="020B0402020204020504" pitchFamily="34" charset="0"/>
-                      </a:endParaRPr>
-                    </a:p>
-                  </a:txBody>
-                  <a:tcPr marL="9525" marR="9525" marT="9525" marB="0" anchor="b"/>
-                </a:tc>
-                <a:tc>
-                  <a:txBody>
-                    <a:bodyPr/>
-                    <a:lstStyle/>
-                    <a:p>
-                      <a:pPr algn="ctr" fontAlgn="b"/>
-                      <a:r>
-                        <a:rPr lang="pl-PL" sz="1400" u="none" strike="noStrike" dirty="0" smtClean="0">
-                          <a:effectLst/>
-                          <a:latin typeface="Caviar Dreams" panose="020B0402020204020504" pitchFamily="34" charset="0"/>
-                        </a:rPr>
-                        <a:t>0</a:t>
-                      </a:r>
-                      <a:endParaRPr lang="pl-PL" sz="1400" b="0" i="0" u="none" strike="noStrike" dirty="0">
-                        <a:solidFill>
-                          <a:srgbClr val="000000"/>
-                        </a:solidFill>
-                        <a:effectLst/>
-                        <a:latin typeface="Caviar Dreams" panose="020B0402020204020504" pitchFamily="34" charset="0"/>
-                      </a:endParaRPr>
-                    </a:p>
-                  </a:txBody>
-                  <a:tcPr marL="9525" marR="9525" marT="9525" marB="0" anchor="b"/>
-                </a:tc>
-                <a:tc>
-                  <a:txBody>
-                    <a:bodyPr/>
-                    <a:lstStyle/>
-                    <a:p>
-                      <a:pPr algn="ctr" fontAlgn="b"/>
-                      <a:r>
-                        <a:rPr lang="pl-PL" sz="1400" u="none" strike="noStrike" dirty="0" smtClean="0">
-                          <a:effectLst/>
-                          <a:latin typeface="Caviar Dreams" panose="020B0402020204020504" pitchFamily="34" charset="0"/>
-                        </a:rPr>
-                        <a:t>0</a:t>
-                      </a:r>
-                      <a:endParaRPr lang="pl-PL" sz="1400" b="0" i="0" u="none" strike="noStrike" dirty="0">
-                        <a:solidFill>
-                          <a:srgbClr val="000000"/>
-                        </a:solidFill>
-                        <a:effectLst/>
-                        <a:latin typeface="Caviar Dreams" panose="020B0402020204020504" pitchFamily="34" charset="0"/>
-                      </a:endParaRPr>
-                    </a:p>
-                  </a:txBody>
-                  <a:tcPr marL="9525" marR="9525" marT="9525" marB="0" anchor="b"/>
-                </a:tc>
-              </a:tr>
-              <a:tr h="332656">
-                <a:tc>
-                  <a:txBody>
-                    <a:bodyPr/>
-                    <a:lstStyle/>
-                    <a:p>
-                      <a:pPr algn="ctr" fontAlgn="b"/>
-                      <a:r>
-                        <a:rPr lang="pl-PL" sz="1400" b="1" u="none" strike="noStrike" dirty="0">
-                          <a:effectLst/>
-                          <a:latin typeface="Caviar Dreams" panose="020B0402020204020504" pitchFamily="34" charset="0"/>
-                        </a:rPr>
-                        <a:t>komputer</a:t>
-                      </a:r>
-                      <a:endParaRPr lang="pl-PL" sz="1400" b="1" i="0" u="none" strike="noStrike" dirty="0">
-                        <a:solidFill>
-                          <a:srgbClr val="000000"/>
-                        </a:solidFill>
-                        <a:effectLst/>
-                        <a:latin typeface="Caviar Dreams" panose="020B0402020204020504" pitchFamily="34" charset="0"/>
-                      </a:endParaRPr>
-                    </a:p>
-                  </a:txBody>
-                  <a:tcPr marL="9525" marR="9525" marT="9525" marB="0" anchor="b"/>
-                </a:tc>
-                <a:tc>
-                  <a:txBody>
-                    <a:bodyPr/>
-                    <a:lstStyle/>
-                    <a:p>
-                      <a:pPr algn="ctr" fontAlgn="b"/>
-                      <a:r>
-                        <a:rPr lang="pl-PL" sz="1400" u="none" strike="noStrike">
-                          <a:effectLst/>
-                          <a:latin typeface="Caviar Dreams" panose="020B0402020204020504" pitchFamily="34" charset="0"/>
-                        </a:rPr>
-                        <a:t>0</a:t>
-                      </a:r>
-                      <a:endParaRPr lang="pl-PL" sz="1400" b="0" i="0" u="none" strike="noStrike">
-                        <a:solidFill>
-                          <a:srgbClr val="000000"/>
-                        </a:solidFill>
-                        <a:effectLst/>
-                        <a:latin typeface="Caviar Dreams" panose="020B0402020204020504" pitchFamily="34" charset="0"/>
-                      </a:endParaRPr>
-                    </a:p>
-                  </a:txBody>
-                  <a:tcPr marL="9525" marR="9525" marT="9525" marB="0" anchor="b"/>
-                </a:tc>
-                <a:tc>
-                  <a:txBody>
-                    <a:bodyPr/>
-                    <a:lstStyle/>
-                    <a:p>
-                      <a:pPr algn="ctr" fontAlgn="b"/>
-                      <a:r>
-                        <a:rPr lang="pl-PL" sz="1400" u="none" strike="noStrike" dirty="0" smtClean="0">
-                          <a:effectLst/>
-                          <a:latin typeface="Caviar Dreams" panose="020B0402020204020504" pitchFamily="34" charset="0"/>
-                        </a:rPr>
-                        <a:t>0</a:t>
-                      </a:r>
-                      <a:endParaRPr lang="pl-PL" sz="1400" b="0" i="0" u="none" strike="noStrike" dirty="0">
-                        <a:solidFill>
-                          <a:srgbClr val="000000"/>
-                        </a:solidFill>
-                        <a:effectLst/>
-                        <a:latin typeface="Caviar Dreams" panose="020B0402020204020504" pitchFamily="34" charset="0"/>
-                      </a:endParaRPr>
-                    </a:p>
-                  </a:txBody>
-                  <a:tcPr marL="9525" marR="9525" marT="9525" marB="0" anchor="b"/>
-                </a:tc>
-                <a:tc>
-                  <a:txBody>
-                    <a:bodyPr/>
-                    <a:lstStyle/>
-                    <a:p>
-                      <a:pPr algn="ctr" fontAlgn="b"/>
-                      <a:r>
-                        <a:rPr lang="pl-PL" sz="1400" u="none" strike="noStrike" dirty="0" smtClean="0">
-                          <a:effectLst/>
-                          <a:latin typeface="Caviar Dreams" panose="020B0402020204020504" pitchFamily="34" charset="0"/>
-                        </a:rPr>
-                        <a:t>0</a:t>
-                      </a:r>
-                      <a:endParaRPr lang="pl-PL" sz="1400" b="0" i="0" u="none" strike="noStrike" dirty="0">
-                        <a:solidFill>
-                          <a:srgbClr val="000000"/>
-                        </a:solidFill>
-                        <a:effectLst/>
-                        <a:latin typeface="Caviar Dreams" panose="020B0402020204020504" pitchFamily="34" charset="0"/>
-                      </a:endParaRPr>
-                    </a:p>
-                  </a:txBody>
-                  <a:tcPr marL="9525" marR="9525" marT="9525" marB="0" anchor="b"/>
-                </a:tc>
-              </a:tr>
-              <a:tr h="332656">
-                <a:tc>
-                  <a:txBody>
-                    <a:bodyPr/>
-                    <a:lstStyle/>
-                    <a:p>
-                      <a:pPr algn="ctr" fontAlgn="b"/>
-                      <a:r>
-                        <a:rPr lang="pl-PL" sz="1400" b="1" u="none" strike="noStrike" dirty="0">
-                          <a:effectLst/>
-                          <a:latin typeface="Caviar Dreams" panose="020B0402020204020504" pitchFamily="34" charset="0"/>
-                        </a:rPr>
-                        <a:t>impas</a:t>
-                      </a:r>
-                      <a:endParaRPr lang="pl-PL" sz="1400" b="1" i="0" u="none" strike="noStrike" dirty="0">
-                        <a:solidFill>
-                          <a:srgbClr val="000000"/>
-                        </a:solidFill>
-                        <a:effectLst/>
-                        <a:latin typeface="Caviar Dreams" panose="020B0402020204020504" pitchFamily="34" charset="0"/>
-                      </a:endParaRPr>
-                    </a:p>
-                  </a:txBody>
-                  <a:tcPr marL="9525" marR="9525" marT="9525" marB="0" anchor="b"/>
-                </a:tc>
-                <a:tc>
-                  <a:txBody>
-                    <a:bodyPr/>
-                    <a:lstStyle/>
-                    <a:p>
-                      <a:pPr algn="ctr" fontAlgn="b"/>
-                      <a:r>
-                        <a:rPr lang="pl-PL" sz="1400" u="none" strike="noStrike">
-                          <a:effectLst/>
-                          <a:latin typeface="Caviar Dreams" panose="020B0402020204020504" pitchFamily="34" charset="0"/>
-                        </a:rPr>
-                        <a:t>0</a:t>
-                      </a:r>
-                      <a:endParaRPr lang="pl-PL" sz="1400" b="0" i="0" u="none" strike="noStrike">
-                        <a:solidFill>
-                          <a:srgbClr val="000000"/>
-                        </a:solidFill>
-                        <a:effectLst/>
-                        <a:latin typeface="Caviar Dreams" panose="020B0402020204020504" pitchFamily="34" charset="0"/>
-                      </a:endParaRPr>
-                    </a:p>
-                  </a:txBody>
-                  <a:tcPr marL="9525" marR="9525" marT="9525" marB="0" anchor="b"/>
-                </a:tc>
-                <a:tc>
-                  <a:txBody>
-                    <a:bodyPr/>
-                    <a:lstStyle/>
-                    <a:p>
-                      <a:pPr algn="ctr" fontAlgn="b"/>
-                      <a:r>
-                        <a:rPr lang="pl-PL" sz="1400" u="none" strike="noStrike" dirty="0">
-                          <a:effectLst/>
-                          <a:latin typeface="Caviar Dreams" panose="020B0402020204020504" pitchFamily="34" charset="0"/>
-                        </a:rPr>
-                        <a:t>0</a:t>
-                      </a:r>
-                      <a:endParaRPr lang="pl-PL" sz="1400" b="0" i="0" u="none" strike="noStrike" dirty="0">
-                        <a:solidFill>
-                          <a:srgbClr val="000000"/>
-                        </a:solidFill>
-                        <a:effectLst/>
-                        <a:latin typeface="Caviar Dreams" panose="020B0402020204020504" pitchFamily="34" charset="0"/>
-                      </a:endParaRPr>
-                    </a:p>
-                  </a:txBody>
-                  <a:tcPr marL="9525" marR="9525" marT="9525" marB="0" anchor="b"/>
-                </a:tc>
-                <a:tc>
-                  <a:txBody>
-                    <a:bodyPr/>
-                    <a:lstStyle/>
-                    <a:p>
-                      <a:pPr algn="ctr" fontAlgn="b"/>
-                      <a:r>
-                        <a:rPr lang="pl-PL" sz="1400" u="none" strike="noStrike" dirty="0">
-                          <a:effectLst/>
-                          <a:latin typeface="Caviar Dreams" panose="020B0402020204020504" pitchFamily="34" charset="0"/>
-                        </a:rPr>
-                        <a:t>0</a:t>
-                      </a:r>
-                      <a:endParaRPr lang="pl-PL" sz="1400" b="0" i="0" u="none" strike="noStrike" dirty="0">
-                        <a:solidFill>
-                          <a:srgbClr val="000000"/>
-                        </a:solidFill>
-                        <a:effectLst/>
-                        <a:latin typeface="Caviar Dreams" panose="020B0402020204020504" pitchFamily="34" charset="0"/>
-                      </a:endParaRPr>
-                    </a:p>
-                  </a:txBody>
-                  <a:tcPr marL="9525" marR="9525" marT="9525" marB="0" anchor="b"/>
-                </a:tc>
-              </a:tr>
-            </a:tbl>
-          </a:graphicData>
-        </a:graphic>
-      </p:graphicFrame>
     </p:spTree>
     <p:extLst>
       <p:ext uri="{BB962C8B-B14F-4D97-AF65-F5344CB8AC3E}">
@@ -8508,6 +8522,187 @@
 </file>
 
 <file path=ppt/slides/slide7.xml><?xml version="1.0" encoding="utf-8"?>
+<p:sld xmlns:a="http://schemas.openxmlformats.org/drawingml/2006/main" xmlns:r="http://schemas.openxmlformats.org/officeDocument/2006/relationships" xmlns:p="http://schemas.openxmlformats.org/presentationml/2006/main">
+  <p:cSld>
+    <p:spTree>
+      <p:nvGrpSpPr>
+        <p:cNvPr id="1" name=""/>
+        <p:cNvGrpSpPr/>
+        <p:nvPr/>
+      </p:nvGrpSpPr>
+      <p:grpSpPr>
+        <a:xfrm>
+          <a:off x="0" y="0"/>
+          <a:ext cx="0" cy="0"/>
+          <a:chOff x="0" y="0"/>
+          <a:chExt cx="0" cy="0"/>
+        </a:xfrm>
+      </p:grpSpPr>
+      <p:sp>
+        <p:nvSpPr>
+          <p:cNvPr id="2" name="Tytuł 1"/>
+          <p:cNvSpPr>
+            <a:spLocks noGrp="1"/>
+          </p:cNvSpPr>
+          <p:nvPr>
+            <p:ph type="title"/>
+          </p:nvPr>
+        </p:nvSpPr>
+        <p:spPr/>
+        <p:txBody>
+          <a:bodyPr/>
+          <a:lstStyle/>
+          <a:p>
+            <a:r>
+              <a:rPr lang="pl-PL" sz="3200" dirty="0" smtClean="0">
+                <a:latin typeface="Caviar Dreams" panose="020B0402020204020504" pitchFamily="34" charset="0"/>
+              </a:rPr>
+              <a:t>Możliwe usprawnienia</a:t>
+            </a:r>
+            <a:endParaRPr lang="pl-PL" sz="3200" dirty="0">
+              <a:latin typeface="Caviar Dreams" panose="020B0402020204020504" pitchFamily="34" charset="0"/>
+            </a:endParaRPr>
+          </a:p>
+        </p:txBody>
+      </p:sp>
+      <p:sp>
+        <p:nvSpPr>
+          <p:cNvPr id="3" name="Symbol zastępczy zawartości 2"/>
+          <p:cNvSpPr>
+            <a:spLocks noGrp="1"/>
+          </p:cNvSpPr>
+          <p:nvPr>
+            <p:ph idx="1"/>
+          </p:nvPr>
+        </p:nvSpPr>
+        <p:spPr>
+          <a:xfrm>
+            <a:off x="467544" y="1100628"/>
+            <a:ext cx="8208912" cy="4200580"/>
+          </a:xfrm>
+        </p:spPr>
+        <p:txBody>
+          <a:bodyPr>
+            <a:normAutofit/>
+          </a:bodyPr>
+          <a:lstStyle/>
+          <a:p>
+            <a:pPr>
+              <a:lnSpc>
+                <a:spcPct val="150000"/>
+              </a:lnSpc>
+            </a:pPr>
+            <a:r>
+              <a:rPr lang="pl-PL" sz="1800" b="0" dirty="0" smtClean="0">
+                <a:latin typeface="Caviar Dreams" panose="020B0402020204020504" pitchFamily="34" charset="0"/>
+              </a:rPr>
+              <a:t>	</a:t>
+            </a:r>
+            <a:r>
+              <a:rPr lang="pl-PL" sz="1800" b="0" dirty="0" smtClean="0">
+                <a:latin typeface="Caviar Dreams" panose="020B0402020204020504" pitchFamily="34" charset="0"/>
+              </a:rPr>
+              <a:t>Wykluczenie niektórych ciągów z rozważań w strategii komputera</a:t>
+            </a:r>
+          </a:p>
+          <a:p>
+            <a:pPr>
+              <a:lnSpc>
+                <a:spcPct val="150000"/>
+              </a:lnSpc>
+            </a:pPr>
+            <a:endParaRPr lang="pl-PL" b="0" dirty="0">
+              <a:latin typeface="Caviar Dreams" panose="020B0402020204020504" pitchFamily="34" charset="0"/>
+            </a:endParaRPr>
+          </a:p>
+        </p:txBody>
+      </p:sp>
+      <p:pic>
+        <p:nvPicPr>
+          <p:cNvPr id="1028" name="Picture 4" descr="Znalezione obrazy dla zapytania light bulb"/>
+          <p:cNvPicPr>
+            <a:picLocks noChangeAspect="1" noChangeArrowheads="1"/>
+          </p:cNvPicPr>
+          <p:nvPr/>
+        </p:nvPicPr>
+        <p:blipFill>
+          <a:blip r:embed="rId2">
+            <a:extLst>
+              <a:ext uri="{28A0092B-C50C-407E-A947-70E740481C1C}">
+                <a14:useLocalDpi xmlns:a14="http://schemas.microsoft.com/office/drawing/2010/main" val="0"/>
+              </a:ext>
+            </a:extLst>
+          </a:blip>
+          <a:srcRect/>
+          <a:stretch>
+            <a:fillRect/>
+          </a:stretch>
+        </p:blipFill>
+        <p:spPr bwMode="auto">
+          <a:xfrm>
+            <a:off x="7734138" y="254815"/>
+            <a:ext cx="1319169" cy="1319169"/>
+          </a:xfrm>
+          <a:prstGeom prst="rect">
+            <a:avLst/>
+          </a:prstGeom>
+          <a:noFill/>
+          <a:extLst>
+            <a:ext uri="{909E8E84-426E-40DD-AFC4-6F175D3DCCD1}">
+              <a14:hiddenFill xmlns:a14="http://schemas.microsoft.com/office/drawing/2010/main">
+                <a:solidFill>
+                  <a:srgbClr val="FFFFFF"/>
+                </a:solidFill>
+              </a14:hiddenFill>
+            </a:ext>
+          </a:extLst>
+        </p:spPr>
+      </p:pic>
+      <p:pic>
+        <p:nvPicPr>
+          <p:cNvPr id="5" name="Obraz 4"/>
+          <p:cNvPicPr>
+            <a:picLocks noChangeAspect="1"/>
+          </p:cNvPicPr>
+          <p:nvPr/>
+        </p:nvPicPr>
+        <p:blipFill>
+          <a:blip r:embed="rId3"/>
+          <a:stretch>
+            <a:fillRect/>
+          </a:stretch>
+        </p:blipFill>
+        <p:spPr>
+          <a:xfrm>
+            <a:off x="1409861" y="1772816"/>
+            <a:ext cx="6324277" cy="4104456"/>
+          </a:xfrm>
+          <a:prstGeom prst="rect">
+            <a:avLst/>
+          </a:prstGeom>
+        </p:spPr>
+      </p:pic>
+    </p:spTree>
+    <p:extLst>
+      <p:ext uri="{BB962C8B-B14F-4D97-AF65-F5344CB8AC3E}">
+        <p14:creationId xmlns:p14="http://schemas.microsoft.com/office/powerpoint/2010/main" val="1522577592"/>
+      </p:ext>
+    </p:extLst>
+  </p:cSld>
+  <p:clrMapOvr>
+    <a:masterClrMapping/>
+  </p:clrMapOvr>
+  <p:timing>
+    <p:tnLst>
+      <p:par>
+        <p:cTn id="1" dur="indefinite" restart="never" nodeType="tmRoot"/>
+      </p:par>
+    </p:tnLst>
+  </p:timing>
+</p:sld>
+</file>
+
+<file path=ppt/slides/slide8.xml><?xml version="1.0" encoding="utf-8"?>
 <p:sld xmlns:a="http://schemas.openxmlformats.org/drawingml/2006/main" xmlns:r="http://schemas.openxmlformats.org/officeDocument/2006/relationships" xmlns:p="http://schemas.openxmlformats.org/presentationml/2006/main">
   <p:cSld>
     <p:spTree>
